--- a/docs/Reports/PS5 - Presentation cahier V1 - Geinoz.pptx
+++ b/docs/Reports/PS5 - Presentation cahier V1 - Geinoz.pptx
@@ -7,9 +7,8 @@
   <p:sldIdLst>
     <p:sldId id="256" r:id="rId2"/>
     <p:sldId id="257" r:id="rId3"/>
-    <p:sldId id="260" r:id="rId4"/>
-    <p:sldId id="258" r:id="rId5"/>
-    <p:sldId id="259" r:id="rId6"/>
+    <p:sldId id="258" r:id="rId4"/>
+    <p:sldId id="259" r:id="rId5"/>
   </p:sldIdLst>
   <p:sldSz cx="12192000" cy="6858000"/>
   <p:notesSz cx="6858000" cy="9144000"/>
@@ -265,7 +264,7 @@
           <a:p>
             <a:fld id="{53D57147-4566-4832-87AF-043E85D8FC2A}" type="datetimeFigureOut">
               <a:rPr lang="en-GB" smtClean="0"/>
-              <a:t>19/10/2021</a:t>
+              <a:t>20/10/2021</a:t>
             </a:fld>
             <a:endParaRPr lang="en-GB"/>
           </a:p>
@@ -465,7 +464,7 @@
           <a:p>
             <a:fld id="{53D57147-4566-4832-87AF-043E85D8FC2A}" type="datetimeFigureOut">
               <a:rPr lang="en-GB" smtClean="0"/>
-              <a:t>19/10/2021</a:t>
+              <a:t>20/10/2021</a:t>
             </a:fld>
             <a:endParaRPr lang="en-GB"/>
           </a:p>
@@ -675,7 +674,7 @@
           <a:p>
             <a:fld id="{53D57147-4566-4832-87AF-043E85D8FC2A}" type="datetimeFigureOut">
               <a:rPr lang="en-GB" smtClean="0"/>
-              <a:t>19/10/2021</a:t>
+              <a:t>20/10/2021</a:t>
             </a:fld>
             <a:endParaRPr lang="en-GB"/>
           </a:p>
@@ -875,7 +874,7 @@
           <a:p>
             <a:fld id="{53D57147-4566-4832-87AF-043E85D8FC2A}" type="datetimeFigureOut">
               <a:rPr lang="en-GB" smtClean="0"/>
-              <a:t>19/10/2021</a:t>
+              <a:t>20/10/2021</a:t>
             </a:fld>
             <a:endParaRPr lang="en-GB"/>
           </a:p>
@@ -1151,7 +1150,7 @@
           <a:p>
             <a:fld id="{53D57147-4566-4832-87AF-043E85D8FC2A}" type="datetimeFigureOut">
               <a:rPr lang="en-GB" smtClean="0"/>
-              <a:t>19/10/2021</a:t>
+              <a:t>20/10/2021</a:t>
             </a:fld>
             <a:endParaRPr lang="en-GB"/>
           </a:p>
@@ -1419,7 +1418,7 @@
           <a:p>
             <a:fld id="{53D57147-4566-4832-87AF-043E85D8FC2A}" type="datetimeFigureOut">
               <a:rPr lang="en-GB" smtClean="0"/>
-              <a:t>19/10/2021</a:t>
+              <a:t>20/10/2021</a:t>
             </a:fld>
             <a:endParaRPr lang="en-GB"/>
           </a:p>
@@ -1834,7 +1833,7 @@
           <a:p>
             <a:fld id="{53D57147-4566-4832-87AF-043E85D8FC2A}" type="datetimeFigureOut">
               <a:rPr lang="en-GB" smtClean="0"/>
-              <a:t>19/10/2021</a:t>
+              <a:t>20/10/2021</a:t>
             </a:fld>
             <a:endParaRPr lang="en-GB"/>
           </a:p>
@@ -1976,7 +1975,7 @@
           <a:p>
             <a:fld id="{53D57147-4566-4832-87AF-043E85D8FC2A}" type="datetimeFigureOut">
               <a:rPr lang="en-GB" smtClean="0"/>
-              <a:t>19/10/2021</a:t>
+              <a:t>20/10/2021</a:t>
             </a:fld>
             <a:endParaRPr lang="en-GB"/>
           </a:p>
@@ -2089,7 +2088,7 @@
           <a:p>
             <a:fld id="{53D57147-4566-4832-87AF-043E85D8FC2A}" type="datetimeFigureOut">
               <a:rPr lang="en-GB" smtClean="0"/>
-              <a:t>19/10/2021</a:t>
+              <a:t>20/10/2021</a:t>
             </a:fld>
             <a:endParaRPr lang="en-GB"/>
           </a:p>
@@ -2402,7 +2401,7 @@
           <a:p>
             <a:fld id="{53D57147-4566-4832-87AF-043E85D8FC2A}" type="datetimeFigureOut">
               <a:rPr lang="en-GB" smtClean="0"/>
-              <a:t>19/10/2021</a:t>
+              <a:t>20/10/2021</a:t>
             </a:fld>
             <a:endParaRPr lang="en-GB"/>
           </a:p>
@@ -2691,7 +2690,7 @@
           <a:p>
             <a:fld id="{53D57147-4566-4832-87AF-043E85D8FC2A}" type="datetimeFigureOut">
               <a:rPr lang="en-GB" smtClean="0"/>
-              <a:t>19/10/2021</a:t>
+              <a:t>20/10/2021</a:t>
             </a:fld>
             <a:endParaRPr lang="en-GB"/>
           </a:p>
@@ -2934,7 +2933,7 @@
           <a:p>
             <a:fld id="{53D57147-4566-4832-87AF-043E85D8FC2A}" type="datetimeFigureOut">
               <a:rPr lang="en-GB" smtClean="0"/>
-              <a:t>19/10/2021</a:t>
+              <a:t>20/10/2021</a:t>
             </a:fld>
             <a:endParaRPr lang="en-GB"/>
           </a:p>
@@ -4082,252 +4081,6 @@
           <p:cNvPr id="2" name="Titre 1">
             <a:extLst>
               <a:ext uri="{FF2B5EF4-FFF2-40B4-BE49-F238E27FC236}">
-                <a16:creationId xmlns:a16="http://schemas.microsoft.com/office/drawing/2014/main" id="{CCAC1321-DFDD-47CA-BC7D-7BA0FF2A5815}"/>
-              </a:ext>
-            </a:extLst>
-          </p:cNvPr>
-          <p:cNvSpPr>
-            <a:spLocks noGrp="1"/>
-          </p:cNvSpPr>
-          <p:nvPr>
-            <p:ph type="title"/>
-          </p:nvPr>
-        </p:nvSpPr>
-        <p:spPr>
-          <a:xfrm>
-            <a:off x="838200" y="631825"/>
-            <a:ext cx="10515600" cy="1325563"/>
-          </a:xfrm>
-        </p:spPr>
-        <p:txBody>
-          <a:bodyPr>
-            <a:normAutofit/>
-          </a:bodyPr>
-          <a:lstStyle/>
-          <a:p>
-            <a:r>
-              <a:rPr lang="en-GB" dirty="0" err="1"/>
-              <a:t>Démonstration</a:t>
-            </a:r>
-            <a:endParaRPr lang="en-GB" dirty="0"/>
-          </a:p>
-        </p:txBody>
-      </p:sp>
-      <p:sp>
-        <p:nvSpPr>
-          <p:cNvPr id="3" name="Espace réservé du contenu 2">
-            <a:extLst>
-              <a:ext uri="{FF2B5EF4-FFF2-40B4-BE49-F238E27FC236}">
-                <a16:creationId xmlns:a16="http://schemas.microsoft.com/office/drawing/2014/main" id="{DA82C1AB-4995-4E2E-B7FA-DB0658C91B72}"/>
-              </a:ext>
-            </a:extLst>
-          </p:cNvPr>
-          <p:cNvSpPr>
-            <a:spLocks noGrp="1"/>
-          </p:cNvSpPr>
-          <p:nvPr>
-            <p:ph idx="1"/>
-          </p:nvPr>
-        </p:nvSpPr>
-        <p:spPr>
-          <a:xfrm>
-            <a:off x="838200" y="2057400"/>
-            <a:ext cx="10515600" cy="3871762"/>
-          </a:xfrm>
-        </p:spPr>
-        <p:txBody>
-          <a:bodyPr>
-            <a:normAutofit/>
-          </a:bodyPr>
-          <a:lstStyle/>
-          <a:p>
-            <a:r>
-              <a:rPr lang="en-GB" sz="2400">
-                <a:hlinkClick r:id="rId2"/>
-              </a:rPr>
-              <a:t>https://adelente-admin.samf.me/app</a:t>
-            </a:r>
-            <a:endParaRPr lang="en-GB" sz="2400"/>
-          </a:p>
-          <a:p>
-            <a:endParaRPr lang="en-GB" sz="2400"/>
-          </a:p>
-        </p:txBody>
-      </p:sp>
-    </p:spTree>
-    <p:extLst>
-      <p:ext uri="{BB962C8B-B14F-4D97-AF65-F5344CB8AC3E}">
-        <p14:creationId xmlns:p14="http://schemas.microsoft.com/office/powerpoint/2010/main" val="1757306808"/>
-      </p:ext>
-    </p:extLst>
-  </p:cSld>
-  <p:clrMapOvr>
-    <a:masterClrMapping/>
-  </p:clrMapOvr>
-</p:sld>
-</file>
-
-<file path=ppt/slides/slide4.xml><?xml version="1.0" encoding="utf-8"?>
-<p:sld xmlns:a="http://schemas.openxmlformats.org/drawingml/2006/main" xmlns:r="http://schemas.openxmlformats.org/officeDocument/2006/relationships" xmlns:p="http://schemas.openxmlformats.org/presentationml/2006/main">
-  <p:cSld>
-    <p:bg>
-      <p:bgPr>
-        <a:solidFill>
-          <a:schemeClr val="bg1"/>
-        </a:solidFill>
-        <a:effectLst/>
-      </p:bgPr>
-    </p:bg>
-    <p:spTree>
-      <p:nvGrpSpPr>
-        <p:cNvPr id="1" name=""/>
-        <p:cNvGrpSpPr/>
-        <p:nvPr/>
-      </p:nvGrpSpPr>
-      <p:grpSpPr>
-        <a:xfrm>
-          <a:off x="0" y="0"/>
-          <a:ext cx="0" cy="0"/>
-          <a:chOff x="0" y="0"/>
-          <a:chExt cx="0" cy="0"/>
-        </a:xfrm>
-      </p:grpSpPr>
-      <p:sp>
-        <p:nvSpPr>
-          <p:cNvPr id="8" name="Rectangle 7">
-            <a:extLst>
-              <a:ext uri="{FF2B5EF4-FFF2-40B4-BE49-F238E27FC236}">
-                <a16:creationId xmlns:a16="http://schemas.microsoft.com/office/drawing/2014/main" id="{488333BA-AE6E-427A-9B16-A39C8073F4EB}"/>
-              </a:ext>
-              <a:ext uri="{C183D7F6-B498-43B3-948B-1728B52AA6E4}">
-                <adec:decorative xmlns:adec="http://schemas.microsoft.com/office/drawing/2017/decorative" val="1"/>
-              </a:ext>
-            </a:extLst>
-          </p:cNvPr>
-          <p:cNvSpPr>
-            <a:spLocks noGrp="1" noRot="1" noChangeAspect="1" noMove="1" noResize="1" noEditPoints="1" noAdjustHandles="1" noChangeArrowheads="1" noChangeShapeType="1" noTextEdit="1"/>
-          </p:cNvSpPr>
-          <p:nvPr>
-            <p:extLst>
-              <p:ext uri="{386F3935-93C4-4BCD-93E2-E3B085C9AB24}">
-                <p16:designElem xmlns:p16="http://schemas.microsoft.com/office/powerpoint/2015/main" val="1"/>
-              </p:ext>
-            </p:extLst>
-          </p:nvPr>
-        </p:nvSpPr>
-        <p:spPr>
-          <a:xfrm>
-            <a:off x="0" y="0"/>
-            <a:ext cx="12188952" cy="6858000"/>
-          </a:xfrm>
-          <a:prstGeom prst="rect">
-            <a:avLst/>
-          </a:prstGeom>
-          <a:solidFill>
-            <a:schemeClr val="tx1">
-              <a:lumMod val="75000"/>
-              <a:lumOff val="25000"/>
-            </a:schemeClr>
-          </a:solidFill>
-          <a:ln>
-            <a:noFill/>
-          </a:ln>
-        </p:spPr>
-        <p:style>
-          <a:lnRef idx="2">
-            <a:schemeClr val="accent1">
-              <a:shade val="50000"/>
-            </a:schemeClr>
-          </a:lnRef>
-          <a:fillRef idx="1">
-            <a:schemeClr val="accent1"/>
-          </a:fillRef>
-          <a:effectRef idx="0">
-            <a:schemeClr val="accent1"/>
-          </a:effectRef>
-          <a:fontRef idx="minor">
-            <a:schemeClr val="lt1"/>
-          </a:fontRef>
-        </p:style>
-        <p:txBody>
-          <a:bodyPr rtlCol="0" anchor="ctr"/>
-          <a:lstStyle/>
-          <a:p>
-            <a:pPr algn="ctr"/>
-            <a:endParaRPr lang="en-US"/>
-          </a:p>
-        </p:txBody>
-      </p:sp>
-      <p:sp>
-        <p:nvSpPr>
-          <p:cNvPr id="10" name="Rectangle 9">
-            <a:extLst>
-              <a:ext uri="{FF2B5EF4-FFF2-40B4-BE49-F238E27FC236}">
-                <a16:creationId xmlns:a16="http://schemas.microsoft.com/office/drawing/2014/main" id="{F98ED85F-DCEE-4B50-802E-71A6E3E12B04}"/>
-              </a:ext>
-              <a:ext uri="{C183D7F6-B498-43B3-948B-1728B52AA6E4}">
-                <adec:decorative xmlns:adec="http://schemas.microsoft.com/office/drawing/2017/decorative" val="1"/>
-              </a:ext>
-            </a:extLst>
-          </p:cNvPr>
-          <p:cNvSpPr>
-            <a:spLocks noGrp="1" noRot="1" noChangeAspect="1" noMove="1" noResize="1" noEditPoints="1" noAdjustHandles="1" noChangeArrowheads="1" noChangeShapeType="1" noTextEdit="1"/>
-          </p:cNvSpPr>
-          <p:nvPr>
-            <p:extLst>
-              <p:ext uri="{386F3935-93C4-4BCD-93E2-E3B085C9AB24}">
-                <p16:designElem xmlns:p16="http://schemas.microsoft.com/office/powerpoint/2015/main" val="1"/>
-              </p:ext>
-            </p:extLst>
-          </p:nvPr>
-        </p:nvSpPr>
-        <p:spPr bwMode="ltGray">
-          <a:xfrm>
-            <a:off x="321564" y="320040"/>
-            <a:ext cx="11548872" cy="6217920"/>
-          </a:xfrm>
-          <a:prstGeom prst="rect">
-            <a:avLst/>
-          </a:prstGeom>
-          <a:solidFill>
-            <a:schemeClr val="bg1"/>
-          </a:solidFill>
-          <a:ln w="127000" cap="sq" cmpd="thinThick">
-            <a:solidFill>
-              <a:schemeClr val="bg1"/>
-            </a:solidFill>
-          </a:ln>
-        </p:spPr>
-        <p:style>
-          <a:lnRef idx="2">
-            <a:schemeClr val="accent1">
-              <a:shade val="50000"/>
-            </a:schemeClr>
-          </a:lnRef>
-          <a:fillRef idx="1">
-            <a:schemeClr val="accent1"/>
-          </a:fillRef>
-          <a:effectRef idx="0">
-            <a:schemeClr val="accent1"/>
-          </a:effectRef>
-          <a:fontRef idx="minor">
-            <a:schemeClr val="lt1"/>
-          </a:fontRef>
-        </p:style>
-        <p:txBody>
-          <a:bodyPr rtlCol="0" anchor="ctr"/>
-          <a:lstStyle/>
-          <a:p>
-            <a:pPr algn="ctr"/>
-            <a:endParaRPr lang="en-US"/>
-          </a:p>
-        </p:txBody>
-      </p:sp>
-      <p:sp>
-        <p:nvSpPr>
-          <p:cNvPr id="2" name="Titre 1">
-            <a:extLst>
-              <a:ext uri="{FF2B5EF4-FFF2-40B4-BE49-F238E27FC236}">
                 <a16:creationId xmlns:a16="http://schemas.microsoft.com/office/drawing/2014/main" id="{8795AF61-5F4A-4100-8736-EF444E7D4363}"/>
               </a:ext>
             </a:extLst>
@@ -4452,7 +4205,7 @@
 </p:sld>
 </file>
 
-<file path=ppt/slides/slide5.xml><?xml version="1.0" encoding="utf-8"?>
+<file path=ppt/slides/slide4.xml><?xml version="1.0" encoding="utf-8"?>
 <p:sld xmlns:a="http://schemas.openxmlformats.org/drawingml/2006/main" xmlns:r="http://schemas.openxmlformats.org/officeDocument/2006/relationships" xmlns:p="http://schemas.openxmlformats.org/presentationml/2006/main">
   <p:cSld>
     <p:bg>

--- a/docs/Reports/PS5 - Presentation cahier V1 - Geinoz.pptx
+++ b/docs/Reports/PS5 - Presentation cahier V1 - Geinoz.pptx
@@ -264,7 +264,7 @@
           <a:p>
             <a:fld id="{53D57147-4566-4832-87AF-043E85D8FC2A}" type="datetimeFigureOut">
               <a:rPr lang="en-GB" smtClean="0"/>
-              <a:t>20/10/2021</a:t>
+              <a:t>08/02/2022</a:t>
             </a:fld>
             <a:endParaRPr lang="en-GB"/>
           </a:p>
@@ -464,7 +464,7 @@
           <a:p>
             <a:fld id="{53D57147-4566-4832-87AF-043E85D8FC2A}" type="datetimeFigureOut">
               <a:rPr lang="en-GB" smtClean="0"/>
-              <a:t>20/10/2021</a:t>
+              <a:t>08/02/2022</a:t>
             </a:fld>
             <a:endParaRPr lang="en-GB"/>
           </a:p>
@@ -674,7 +674,7 @@
           <a:p>
             <a:fld id="{53D57147-4566-4832-87AF-043E85D8FC2A}" type="datetimeFigureOut">
               <a:rPr lang="en-GB" smtClean="0"/>
-              <a:t>20/10/2021</a:t>
+              <a:t>08/02/2022</a:t>
             </a:fld>
             <a:endParaRPr lang="en-GB"/>
           </a:p>
@@ -874,7 +874,7 @@
           <a:p>
             <a:fld id="{53D57147-4566-4832-87AF-043E85D8FC2A}" type="datetimeFigureOut">
               <a:rPr lang="en-GB" smtClean="0"/>
-              <a:t>20/10/2021</a:t>
+              <a:t>08/02/2022</a:t>
             </a:fld>
             <a:endParaRPr lang="en-GB"/>
           </a:p>
@@ -1150,7 +1150,7 @@
           <a:p>
             <a:fld id="{53D57147-4566-4832-87AF-043E85D8FC2A}" type="datetimeFigureOut">
               <a:rPr lang="en-GB" smtClean="0"/>
-              <a:t>20/10/2021</a:t>
+              <a:t>08/02/2022</a:t>
             </a:fld>
             <a:endParaRPr lang="en-GB"/>
           </a:p>
@@ -1418,7 +1418,7 @@
           <a:p>
             <a:fld id="{53D57147-4566-4832-87AF-043E85D8FC2A}" type="datetimeFigureOut">
               <a:rPr lang="en-GB" smtClean="0"/>
-              <a:t>20/10/2021</a:t>
+              <a:t>08/02/2022</a:t>
             </a:fld>
             <a:endParaRPr lang="en-GB"/>
           </a:p>
@@ -1833,7 +1833,7 @@
           <a:p>
             <a:fld id="{53D57147-4566-4832-87AF-043E85D8FC2A}" type="datetimeFigureOut">
               <a:rPr lang="en-GB" smtClean="0"/>
-              <a:t>20/10/2021</a:t>
+              <a:t>08/02/2022</a:t>
             </a:fld>
             <a:endParaRPr lang="en-GB"/>
           </a:p>
@@ -1975,7 +1975,7 @@
           <a:p>
             <a:fld id="{53D57147-4566-4832-87AF-043E85D8FC2A}" type="datetimeFigureOut">
               <a:rPr lang="en-GB" smtClean="0"/>
-              <a:t>20/10/2021</a:t>
+              <a:t>08/02/2022</a:t>
             </a:fld>
             <a:endParaRPr lang="en-GB"/>
           </a:p>
@@ -2088,7 +2088,7 @@
           <a:p>
             <a:fld id="{53D57147-4566-4832-87AF-043E85D8FC2A}" type="datetimeFigureOut">
               <a:rPr lang="en-GB" smtClean="0"/>
-              <a:t>20/10/2021</a:t>
+              <a:t>08/02/2022</a:t>
             </a:fld>
             <a:endParaRPr lang="en-GB"/>
           </a:p>
@@ -2401,7 +2401,7 @@
           <a:p>
             <a:fld id="{53D57147-4566-4832-87AF-043E85D8FC2A}" type="datetimeFigureOut">
               <a:rPr lang="en-GB" smtClean="0"/>
-              <a:t>20/10/2021</a:t>
+              <a:t>08/02/2022</a:t>
             </a:fld>
             <a:endParaRPr lang="en-GB"/>
           </a:p>
@@ -2690,7 +2690,7 @@
           <a:p>
             <a:fld id="{53D57147-4566-4832-87AF-043E85D8FC2A}" type="datetimeFigureOut">
               <a:rPr lang="en-GB" smtClean="0"/>
-              <a:t>20/10/2021</a:t>
+              <a:t>08/02/2022</a:t>
             </a:fld>
             <a:endParaRPr lang="en-GB"/>
           </a:p>
@@ -2933,7 +2933,7 @@
           <a:p>
             <a:fld id="{53D57147-4566-4832-87AF-043E85D8FC2A}" type="datetimeFigureOut">
               <a:rPr lang="en-GB" smtClean="0"/>
-              <a:t>20/10/2021</a:t>
+              <a:t>08/02/2022</a:t>
             </a:fld>
             <a:endParaRPr lang="en-GB"/>
           </a:p>
